--- a/Task 6/Task 6 presentation.pptx
+++ b/Task 6/Task 6 presentation.pptx
@@ -32982,6 +32982,36 @@
           </a:p>
         </p:txBody>
       </p:sp>
+      <p:pic>
+        <p:nvPicPr>
+          <p:cNvPr id="3" name="Picture 2">
+            <a:extLst>
+              <a:ext uri="{FF2B5EF4-FFF2-40B4-BE49-F238E27FC236}">
+                <a16:creationId xmlns:a16="http://schemas.microsoft.com/office/drawing/2014/main" id="{6D643BAE-C3F2-06ED-7B85-F5B4AD01E990}"/>
+              </a:ext>
+            </a:extLst>
+          </p:cNvPr>
+          <p:cNvPicPr>
+            <a:picLocks noChangeAspect="1"/>
+          </p:cNvPicPr>
+          <p:nvPr/>
+        </p:nvPicPr>
+        <p:blipFill>
+          <a:blip r:embed="rId3"/>
+          <a:stretch>
+            <a:fillRect/>
+          </a:stretch>
+        </p:blipFill>
+        <p:spPr>
+          <a:xfrm>
+            <a:off x="504497" y="833215"/>
+            <a:ext cx="8124496" cy="3948992"/>
+          </a:xfrm>
+          <a:prstGeom prst="rect">
+            <a:avLst/>
+          </a:prstGeom>
+        </p:spPr>
+      </p:pic>
     </p:spTree>
   </p:cSld>
   <p:clrMapOvr>
@@ -37423,7 +37453,7 @@
                 <a:cs typeface="Poppins Medium"/>
                 <a:sym typeface="Poppins Medium"/>
               </a:rPr>
-              <a:t>Backend image or demo</a:t>
+              <a:t>Backend configuration</a:t>
             </a:r>
             <a:endParaRPr b="0" i="1" dirty="0">
               <a:latin typeface="Poppins Medium"/>
@@ -37434,6 +37464,36 @@
           </a:p>
         </p:txBody>
       </p:sp>
+      <p:pic>
+        <p:nvPicPr>
+          <p:cNvPr id="3" name="Picture 2">
+            <a:extLst>
+              <a:ext uri="{FF2B5EF4-FFF2-40B4-BE49-F238E27FC236}">
+                <a16:creationId xmlns:a16="http://schemas.microsoft.com/office/drawing/2014/main" id="{9B24DF44-9B6C-8E81-5B2C-4FF713146DF0}"/>
+              </a:ext>
+            </a:extLst>
+          </p:cNvPr>
+          <p:cNvPicPr>
+            <a:picLocks noChangeAspect="1"/>
+          </p:cNvPicPr>
+          <p:nvPr/>
+        </p:nvPicPr>
+        <p:blipFill>
+          <a:blip r:embed="rId3"/>
+          <a:stretch>
+            <a:fillRect/>
+          </a:stretch>
+        </p:blipFill>
+        <p:spPr>
+          <a:xfrm>
+            <a:off x="467710" y="845598"/>
+            <a:ext cx="8208579" cy="3620467"/>
+          </a:xfrm>
+          <a:prstGeom prst="rect">
+            <a:avLst/>
+          </a:prstGeom>
+        </p:spPr>
+      </p:pic>
     </p:spTree>
     <p:extLst>
       <p:ext uri="{BB962C8B-B14F-4D97-AF65-F5344CB8AC3E}">
